--- a/reaproject.pptx
+++ b/reaproject.pptx
@@ -252,7 +252,7 @@
           <a:p>
             <a:fld id="{6ECA4D7A-529A-4013-81CA-ADB88461249F}" type="datetimeFigureOut">
               <a:rPr lang="ko-KR" altLang="en-US" smtClean="0"/>
-              <a:t>2020-11-30</a:t>
+              <a:t>2021-01-20</a:t>
             </a:fld>
             <a:endParaRPr lang="ko-KR" altLang="en-US"/>
           </a:p>
@@ -734,7 +734,7 @@
           <a:p>
             <a:fld id="{1C197EFB-C7C4-4FA6-A353-095E35FA0F5E}" type="datetimeFigureOut">
               <a:rPr lang="ko-KR" altLang="en-US" smtClean="0"/>
-              <a:t>2020-11-30</a:t>
+              <a:t>2021-01-20</a:t>
             </a:fld>
             <a:endParaRPr lang="ko-KR" altLang="en-US"/>
           </a:p>
@@ -1011,7 +1011,7 @@
           <a:p>
             <a:fld id="{1C197EFB-C7C4-4FA6-A353-095E35FA0F5E}" type="datetimeFigureOut">
               <a:rPr lang="ko-KR" altLang="en-US" smtClean="0"/>
-              <a:t>2020-11-30</a:t>
+              <a:t>2021-01-20</a:t>
             </a:fld>
             <a:endParaRPr lang="ko-KR" altLang="en-US"/>
           </a:p>
@@ -1268,7 +1268,7 @@
           <a:p>
             <a:fld id="{1C197EFB-C7C4-4FA6-A353-095E35FA0F5E}" type="datetimeFigureOut">
               <a:rPr lang="ko-KR" altLang="en-US" smtClean="0"/>
-              <a:t>2020-11-30</a:t>
+              <a:t>2021-01-20</a:t>
             </a:fld>
             <a:endParaRPr lang="ko-KR" altLang="en-US"/>
           </a:p>
@@ -1438,7 +1438,7 @@
           <a:p>
             <a:fld id="{1C197EFB-C7C4-4FA6-A353-095E35FA0F5E}" type="datetimeFigureOut">
               <a:rPr lang="ko-KR" altLang="en-US" smtClean="0"/>
-              <a:t>2020-11-30</a:t>
+              <a:t>2021-01-20</a:t>
             </a:fld>
             <a:endParaRPr lang="ko-KR" altLang="en-US"/>
           </a:p>
@@ -1618,7 +1618,7 @@
           <a:p>
             <a:fld id="{1C197EFB-C7C4-4FA6-A353-095E35FA0F5E}" type="datetimeFigureOut">
               <a:rPr lang="ko-KR" altLang="en-US" smtClean="0"/>
-              <a:t>2020-11-30</a:t>
+              <a:t>2021-01-20</a:t>
             </a:fld>
             <a:endParaRPr lang="ko-KR" altLang="en-US"/>
           </a:p>
@@ -1788,7 +1788,7 @@
           <a:p>
             <a:fld id="{1C197EFB-C7C4-4FA6-A353-095E35FA0F5E}" type="datetimeFigureOut">
               <a:rPr lang="ko-KR" altLang="en-US" smtClean="0"/>
-              <a:t>2020-11-30</a:t>
+              <a:t>2021-01-20</a:t>
             </a:fld>
             <a:endParaRPr lang="ko-KR" altLang="en-US"/>
           </a:p>
@@ -2308,7 +2308,7 @@
           <a:p>
             <a:fld id="{1C197EFB-C7C4-4FA6-A353-095E35FA0F5E}" type="datetimeFigureOut">
               <a:rPr lang="ko-KR" altLang="en-US" smtClean="0"/>
-              <a:t>2020-11-30</a:t>
+              <a:t>2021-01-20</a:t>
             </a:fld>
             <a:endParaRPr lang="ko-KR" altLang="en-US"/>
           </a:p>
@@ -2540,7 +2540,7 @@
           <a:p>
             <a:fld id="{1C197EFB-C7C4-4FA6-A353-095E35FA0F5E}" type="datetimeFigureOut">
               <a:rPr lang="ko-KR" altLang="en-US" smtClean="0"/>
-              <a:t>2020-11-30</a:t>
+              <a:t>2021-01-20</a:t>
             </a:fld>
             <a:endParaRPr lang="ko-KR" altLang="en-US"/>
           </a:p>
@@ -2907,7 +2907,7 @@
           <a:p>
             <a:fld id="{1C197EFB-C7C4-4FA6-A353-095E35FA0F5E}" type="datetimeFigureOut">
               <a:rPr lang="ko-KR" altLang="en-US" smtClean="0"/>
-              <a:t>2020-11-30</a:t>
+              <a:t>2021-01-20</a:t>
             </a:fld>
             <a:endParaRPr lang="ko-KR" altLang="en-US"/>
           </a:p>
@@ -3025,7 +3025,7 @@
           <a:p>
             <a:fld id="{1C197EFB-C7C4-4FA6-A353-095E35FA0F5E}" type="datetimeFigureOut">
               <a:rPr lang="ko-KR" altLang="en-US" smtClean="0"/>
-              <a:t>2020-11-30</a:t>
+              <a:t>2021-01-20</a:t>
             </a:fld>
             <a:endParaRPr lang="ko-KR" altLang="en-US"/>
           </a:p>
@@ -3120,7 +3120,7 @@
           <a:p>
             <a:fld id="{1C197EFB-C7C4-4FA6-A353-095E35FA0F5E}" type="datetimeFigureOut">
               <a:rPr lang="ko-KR" altLang="en-US" smtClean="0"/>
-              <a:t>2020-11-30</a:t>
+              <a:t>2021-01-20</a:t>
             </a:fld>
             <a:endParaRPr lang="ko-KR" altLang="en-US"/>
           </a:p>
@@ -3341,7 +3341,7 @@
           <a:p>
             <a:fld id="{1C197EFB-C7C4-4FA6-A353-095E35FA0F5E}" type="datetimeFigureOut">
               <a:rPr lang="ko-KR" altLang="en-US" smtClean="0"/>
-              <a:t>2020-11-30</a:t>
+              <a:t>2021-01-20</a:t>
             </a:fld>
             <a:endParaRPr lang="ko-KR" altLang="en-US"/>
           </a:p>
@@ -9504,7 +9504,7 @@
           <p:spPr>
             <a:xfrm>
               <a:off x="263629" y="4907849"/>
-              <a:ext cx="2570355" cy="481119"/>
+              <a:ext cx="2570355" cy="276999"/>
             </a:xfrm>
             <a:prstGeom prst="rect">
               <a:avLst/>
@@ -9539,7 +9539,49 @@
                   <a:latin typeface="Noto Sans CJK KR Bold" panose="020B0800000000000000" pitchFamily="34" charset="-127"/>
                   <a:ea typeface="Noto Sans CJK KR Bold" panose="020B0800000000000000" pitchFamily="34" charset="-127"/>
                 </a:rPr>
-                <a:t>고통 </a:t>
+                <a:t>최종 </a:t>
+              </a:r>
+              <a:r>
+                <a:rPr lang="ko-KR" altLang="en-US" sz="1200" spc="-100" dirty="0" err="1">
+                  <a:ln>
+                    <a:solidFill>
+                      <a:prstClr val="white">
+                        <a:lumMod val="85000"/>
+                        <a:alpha val="0"/>
+                      </a:prstClr>
+                    </a:solidFill>
+                  </a:ln>
+                  <a:solidFill>
+                    <a:schemeClr val="tx1">
+                      <a:lumMod val="65000"/>
+                      <a:lumOff val="35000"/>
+                    </a:schemeClr>
+                  </a:solidFill>
+                  <a:latin typeface="Noto Sans CJK KR Bold" panose="020B0800000000000000" pitchFamily="34" charset="-127"/>
+                  <a:ea typeface="Noto Sans CJK KR Bold" panose="020B0800000000000000" pitchFamily="34" charset="-127"/>
+                </a:rPr>
+                <a:t>구현및</a:t>
+              </a:r>
+              <a:r>
+                <a:rPr lang="ko-KR" altLang="en-US" sz="1200" spc="-100" dirty="0">
+                  <a:ln>
+                    <a:solidFill>
+                      <a:prstClr val="white">
+                        <a:lumMod val="85000"/>
+                        <a:alpha val="0"/>
+                      </a:prstClr>
+                    </a:solidFill>
+                  </a:ln>
+                  <a:solidFill>
+                    <a:schemeClr val="tx1">
+                      <a:lumMod val="65000"/>
+                      <a:lumOff val="35000"/>
+                    </a:schemeClr>
+                  </a:solidFill>
+                  <a:latin typeface="Noto Sans CJK KR Bold" panose="020B0800000000000000" pitchFamily="34" charset="-127"/>
+                  <a:ea typeface="Noto Sans CJK KR Bold" panose="020B0800000000000000" pitchFamily="34" charset="-127"/>
+                </a:rPr>
+                <a:t> 문서작업 </a:t>
               </a:r>
               <a:endParaRPr lang="en-US" altLang="ko-KR" sz="1200" spc="-100" dirty="0">
                 <a:ln>
